--- a/lesson04.pptx
+++ b/lesson04.pptx
@@ -252,7 +252,7 @@
             <a:fld id="{85522811-C5C6-42D2-A409-F8556720C93F}" type="datetimeFigureOut">
               <a:rPr lang="uk-UA" smtClean="0"/>
               <a:pPr/>
-              <a:t>22.10.2020</a:t>
+              <a:t>27.10.2020</a:t>
             </a:fld>
             <a:endParaRPr lang="uk-UA"/>
           </a:p>
@@ -792,7 +792,7 @@
             <a:fld id="{E6FC6B0D-6115-4D7C-8040-9C8E2349BB6E}" type="datetime1">
               <a:rPr lang="uk-UA" smtClean="0"/>
               <a:pPr/>
-              <a:t>22.10.2020</a:t>
+              <a:t>27.10.2020</a:t>
             </a:fld>
             <a:endParaRPr lang="uk-UA"/>
           </a:p>
@@ -959,7 +959,7 @@
             <a:fld id="{996367BA-0A39-4DE2-BFC3-D5290044365E}" type="datetime1">
               <a:rPr lang="uk-UA" smtClean="0"/>
               <a:pPr/>
-              <a:t>22.10.2020</a:t>
+              <a:t>27.10.2020</a:t>
             </a:fld>
             <a:endParaRPr lang="uk-UA"/>
           </a:p>
@@ -1136,7 +1136,7 @@
             <a:fld id="{1BD6A67F-6C29-47DC-AF8A-FDB3C787DF70}" type="datetime1">
               <a:rPr lang="uk-UA" smtClean="0"/>
               <a:pPr/>
-              <a:t>22.10.2020</a:t>
+              <a:t>27.10.2020</a:t>
             </a:fld>
             <a:endParaRPr lang="uk-UA"/>
           </a:p>
@@ -1303,7 +1303,7 @@
             <a:fld id="{1657D9C5-7FF1-434F-B56E-9BAD559744E9}" type="datetime1">
               <a:rPr lang="uk-UA" smtClean="0"/>
               <a:pPr/>
-              <a:t>22.10.2020</a:t>
+              <a:t>27.10.2020</a:t>
             </a:fld>
             <a:endParaRPr lang="uk-UA"/>
           </a:p>
@@ -1546,7 +1546,7 @@
             <a:fld id="{2CEB0FC9-DE63-476B-A1A9-BE934D9049F8}" type="datetime1">
               <a:rPr lang="uk-UA" smtClean="0"/>
               <a:pPr/>
-              <a:t>22.10.2020</a:t>
+              <a:t>27.10.2020</a:t>
             </a:fld>
             <a:endParaRPr lang="uk-UA"/>
           </a:p>
@@ -1831,7 +1831,7 @@
             <a:fld id="{F964460F-86E2-4DF6-9D0F-12F5005CF375}" type="datetime1">
               <a:rPr lang="uk-UA" smtClean="0"/>
               <a:pPr/>
-              <a:t>22.10.2020</a:t>
+              <a:t>27.10.2020</a:t>
             </a:fld>
             <a:endParaRPr lang="uk-UA"/>
           </a:p>
@@ -2250,7 +2250,7 @@
             <a:fld id="{C521715E-DDCD-4267-B0A5-2918B6F6768A}" type="datetime1">
               <a:rPr lang="uk-UA" smtClean="0"/>
               <a:pPr/>
-              <a:t>22.10.2020</a:t>
+              <a:t>27.10.2020</a:t>
             </a:fld>
             <a:endParaRPr lang="uk-UA"/>
           </a:p>
@@ -2365,7 +2365,7 @@
             <a:fld id="{9289842C-EB2D-4EBB-A272-2F6A49D9794D}" type="datetime1">
               <a:rPr lang="uk-UA" smtClean="0"/>
               <a:pPr/>
-              <a:t>22.10.2020</a:t>
+              <a:t>27.10.2020</a:t>
             </a:fld>
             <a:endParaRPr lang="uk-UA"/>
           </a:p>
@@ -2457,7 +2457,7 @@
             <a:fld id="{D036F091-B700-4B52-99AC-85D0FD94D904}" type="datetime1">
               <a:rPr lang="uk-UA" smtClean="0"/>
               <a:pPr/>
-              <a:t>22.10.2020</a:t>
+              <a:t>27.10.2020</a:t>
             </a:fld>
             <a:endParaRPr lang="uk-UA"/>
           </a:p>
@@ -2731,7 +2731,7 @@
             <a:fld id="{B35DFABA-3811-4634-B803-2EAC4CD0063B}" type="datetime1">
               <a:rPr lang="uk-UA" smtClean="0"/>
               <a:pPr/>
-              <a:t>22.10.2020</a:t>
+              <a:t>27.10.2020</a:t>
             </a:fld>
             <a:endParaRPr lang="uk-UA"/>
           </a:p>
@@ -2981,7 +2981,7 @@
             <a:fld id="{8A9EA25E-F88E-463A-A119-D1E55A881002}" type="datetime1">
               <a:rPr lang="uk-UA" smtClean="0"/>
               <a:pPr/>
-              <a:t>22.10.2020</a:t>
+              <a:t>27.10.2020</a:t>
             </a:fld>
             <a:endParaRPr lang="uk-UA"/>
           </a:p>
@@ -3191,7 +3191,7 @@
             <a:fld id="{E708ED03-0080-49A2-B709-7DA4ACB3A1C3}" type="datetime1">
               <a:rPr lang="uk-UA" smtClean="0"/>
               <a:pPr/>
-              <a:t>22.10.2020</a:t>
+              <a:t>27.10.2020</a:t>
             </a:fld>
             <a:endParaRPr lang="uk-UA"/>
           </a:p>
@@ -7175,11 +7175,7 @@
             </a:r>
             <a:r>
               <a:rPr lang="ru-RU" sz="6000" b="1" dirty="0" smtClean="0"/>
-              <a:t>ах</a:t>
-            </a:r>
-            <a:r>
-              <a:rPr lang="ru-RU" sz="6000" b="1" dirty="0" smtClean="0"/>
-              <a:t>»</a:t>
+              <a:t>ах»</a:t>
             </a:r>
             <a:endParaRPr lang="uk-UA" sz="6000" b="1" dirty="0"/>
           </a:p>
@@ -10434,16 +10430,22 @@
               <a:t>Если номер карты не корректный то </a:t>
             </a:r>
             <a:r>
-              <a:rPr lang="en-US" sz="1600" b="1" dirty="0">
+              <a:rPr lang="en-US" sz="1600" b="1" smtClean="0">
                 <a:latin typeface="+mj-lt"/>
               </a:rPr>
-              <a:t>accepted</a:t>
+              <a:t>correct</a:t>
+            </a:r>
+            <a:r>
+              <a:rPr lang="ru-RU" sz="1600" smtClean="0">
+                <a:latin typeface="+mj-lt"/>
+              </a:rPr>
+              <a:t> </a:t>
             </a:r>
             <a:r>
               <a:rPr lang="ru-RU" sz="1600" dirty="0">
                 <a:latin typeface="+mj-lt"/>
               </a:rPr>
-              <a:t> устанавливаем в</a:t>
+              <a:t>устанавливаем в</a:t>
             </a:r>
             <a:r>
               <a:rPr lang="en-US" sz="1600" dirty="0">
